--- a/PPpresentation.pptx
+++ b/PPpresentation.pptx
@@ -140,6 +140,11 @@
       </a:defRPr>
     </a:lvl9pPr>
   </p:defaultTextStyle>
+  <p:extLst>
+    <p:ext uri="{EFAFB233-063F-42B5-8137-9DF3F51BA10A}">
+      <p15:sldGuideLst xmlns:p15="http://schemas.microsoft.com/office/powerpoint/2012/main"/>
+    </p:ext>
+  </p:extLst>
 </p:presentation>
 </file>
 
@@ -754,7 +759,7 @@
         <p:spPr>
           <a:xfrm>
             <a:off x="685800" y="1143000"/>
-            <a:ext cx="5485680" cy="3085560"/>
+            <a:ext cx="5486400" cy="3086100"/>
           </a:xfrm>
           <a:prstGeom prst="rect">
             <a:avLst/>
@@ -2312,7 +2317,7 @@
         <p:spPr>
           <a:xfrm>
             <a:off x="685800" y="1143000"/>
-            <a:ext cx="5485680" cy="3085560"/>
+            <a:ext cx="5486400" cy="3086100"/>
           </a:xfrm>
           <a:prstGeom prst="rect">
             <a:avLst/>
@@ -19747,7 +19752,7 @@
           </a:xfrm>
           <a:prstGeom prst="bentConnector3">
             <a:avLst>
-              <a:gd name="adj1" fmla="val -416"/>
+              <a:gd name="adj1" fmla="val -11023"/>
             </a:avLst>
           </a:prstGeom>
           <a:ln w="0">
@@ -22753,7 +22758,7 @@
           </a:xfrm>
           <a:prstGeom prst="bentConnector3">
             <a:avLst>
-              <a:gd name="adj1" fmla="val -416"/>
+              <a:gd name="adj1" fmla="val -10581"/>
             </a:avLst>
           </a:prstGeom>
           <a:ln w="0">
